--- a/ppt/ZUCC教师与课程评价平台0.1.2.pptx
+++ b/ppt/ZUCC教师与课程评价平台0.1.2.pptx
@@ -9780,7 +9780,20 @@
                 <a:latin typeface="微软雅黑" panose="020B0503020204020204" pitchFamily="34" charset="-122"/>
                 <a:ea typeface="微软雅黑" panose="020B0503020204020204" pitchFamily="34" charset="-122"/>
               </a:rPr>
-              <a:t>童鑫聪 </a:t>
+              <a:t>项伟铭</a:t>
+            </a:r>
+            <a:r>
+              <a:rPr lang="zh-CN" altLang="en-US" sz="2135" dirty="0">
+                <a:solidFill>
+                  <a:schemeClr val="tx1">
+                    <a:lumMod val="75000"/>
+                    <a:lumOff val="25000"/>
+                  </a:schemeClr>
+                </a:solidFill>
+                <a:latin typeface="微软雅黑" panose="020B0503020204020204" pitchFamily="34" charset="-122"/>
+                <a:ea typeface="微软雅黑" panose="020B0503020204020204" pitchFamily="34" charset="-122"/>
+              </a:rPr>
+              <a:t> </a:t>
             </a:r>
             <a:endParaRPr lang="zh-CN" altLang="en-US" sz="2135" dirty="0">
               <a:solidFill>
@@ -22404,7 +22417,7 @@
       <p:sp>
         <p:nvSpPr>
           <p:cNvPr id="9" name="Oval 31">
-            <a:hlinkClick r:id="rId2" tooltip="" action="ppaction://hlinkfile"/>
+            <a:hlinkClick r:id="rId2" action="ppaction://hlinkfile"/>
           </p:cNvPr>
           <p:cNvSpPr>
             <a:spLocks noChangeArrowheads="1"/>

--- a/ppt/ZUCC教师与课程评价平台0.1.2.pptx
+++ b/ppt/ZUCC教师与课程评价平台0.1.2.pptx
@@ -9718,7 +9718,7 @@
                 <a:latin typeface="Meiryo" charset="0"/>
                 <a:ea typeface="Meiryo" charset="0"/>
               </a:rPr>
-              <a:t>                         </a:t>
+              <a:t>                          </a:t>
             </a:r>
             <a:r>
               <a:rPr lang="zh-CN" altLang="en-US" sz="2000" dirty="0">
